--- a/slides/talk2/curso_SeqGenBac_session1.2_linux.pptx
+++ b/slides/talk2/curso_SeqGenBac_session1.2_linux.pptx
@@ -14673,7 +14673,9 @@
           </a:xfrm>
         </p:spPr>
         <p:txBody>
-          <a:bodyPr/>
+          <a:bodyPr>
+            <a:normAutofit fontScale="92500"/>
+          </a:bodyPr>
           <a:lstStyle/>
           <a:p>
             <a:r>
@@ -14684,7 +14686,7 @@
           <a:p>
             <a:r>
               <a:rPr lang="es-ES" dirty="0"/>
-              <a:t>Unidades Comunes Científico Técnicas – SGSAFI-ISCIII</a:t>
+              <a:t>Unidades Centrales Científico Técnicas – SGSAFI-ISCIII</a:t>
             </a:r>
           </a:p>
         </p:txBody>
@@ -14856,14 +14858,14 @@
           <a:p>
             <a:pPr algn="ctr"/>
             <a:r>
-              <a:rPr lang="es-ES"/>
-              <a:t>28-02 Junio-Julio 2021, 3ª Edición</a:t>
+              <a:rPr lang="es-ES" dirty="0"/>
+              <a:t>24-28 Octubre 2022, 4ª Edición</a:t>
             </a:r>
           </a:p>
           <a:p>
             <a:pPr algn="ctr"/>
             <a:r>
-              <a:rPr lang="es-ES"/>
+              <a:rPr lang="es-ES" dirty="0"/>
               <a:t>Programa Formación Continua, ISCIII</a:t>
             </a:r>
           </a:p>
